--- a/bishops/cs321/resources/CS321_Lecture_10A.pptx
+++ b/bishops/cs321/resources/CS321_Lecture_10A.pptx
@@ -218,7 +218,7 @@
           <a:p>
             <a:fld id="{A6583E9D-07AB-4C6D-BFD0-47E805C6B3D4}" type="datetimeFigureOut">
               <a:rPr lang="en-CA" smtClean="0"/>
-              <a:t>2022-02-14</a:t>
+              <a:t>2022-02-15</a:t>
             </a:fld>
             <a:endParaRPr lang="en-CA"/>
           </a:p>
@@ -5117,7 +5117,7 @@
         </p:spPr>
         <p:txBody>
           <a:bodyPr>
-            <a:normAutofit/>
+            <a:normAutofit lnSpcReduction="10000"/>
           </a:bodyPr>
           <a:lstStyle/>
           <a:p>
@@ -5157,6 +5157,22 @@
                 <a:hlinkClick r:id="rId3"/>
               </a:rPr>
               <a:t>https://firefox-source-docs.mozilla.org/code-quality/lint/index.html#Linter_Implementations</a:t>
+            </a:r>
+            <a:endParaRPr lang="en-US" dirty="0"/>
+          </a:p>
+          <a:p>
+            <a:endParaRPr lang="en-US" dirty="0"/>
+          </a:p>
+          <a:p>
+            <a:r>
+              <a:rPr lang="en-US" dirty="0"/>
+              <a:t>Run on our PR system Phabricator: </a:t>
+            </a:r>
+            <a:r>
+              <a:rPr lang="en-CA" dirty="0">
+                <a:hlinkClick r:id="rId4"/>
+              </a:rPr>
+              <a:t>https://phabricator.services.mozilla.com/p/reviewbot/</a:t>
             </a:r>
             <a:endParaRPr lang="en-US" dirty="0"/>
           </a:p>

--- a/bishops/cs321/resources/CS321_Lecture_10A.pptx
+++ b/bishops/cs321/resources/CS321_Lecture_10A.pptx
@@ -118,7 +118,7 @@
   </p:defaultTextStyle>
   <p:extLst>
     <p:ext uri="{EFAFB233-063F-42B5-8137-9DF3F51BA10A}">
-      <p15:sldGuideLst xmlns:p15="http://schemas.microsoft.com/office/powerpoint/2012/main"/>
+      <p15:sldGuideLst xmlns:p15="http://schemas.microsoft.com/office/powerpoint/2012/main" xmlns=""/>
     </p:ext>
   </p:extLst>
 </p:presentation>
@@ -129,7 +129,7 @@
   <p:cmAuthor id="1" name="Gregory" initials="G" lastIdx="1" clrIdx="0">
     <p:extLst>
       <p:ext uri="{19B8F6BF-5375-455C-9EA6-DF929625EA0E}">
-        <p15:presenceInfo xmlns:p15="http://schemas.microsoft.com/office/powerpoint/2012/main" userId="Gregory" providerId="None"/>
+        <p15:presenceInfo xmlns:p15="http://schemas.microsoft.com/office/powerpoint/2012/main" xmlns="" userId="Gregory" providerId="None"/>
       </p:ext>
     </p:extLst>
   </p:cmAuthor>
@@ -218,7 +218,8 @@
           <a:p>
             <a:fld id="{A6583E9D-07AB-4C6D-BFD0-47E805C6B3D4}" type="datetimeFigureOut">
               <a:rPr lang="en-CA" smtClean="0"/>
-              <a:t>2022-02-15</a:t>
+              <a:pPr/>
+              <a:t>2024-02-18</a:t>
             </a:fld>
             <a:endParaRPr lang="en-CA"/>
           </a:p>
@@ -377,6 +378,7 @@
           <a:p>
             <a:fld id="{8F20841C-25C9-4C0C-A7FA-C4A363D14F5A}" type="slidenum">
               <a:rPr lang="en-CA" smtClean="0"/>
+              <a:pPr/>
               <a:t>‹#›</a:t>
             </a:fld>
             <a:endParaRPr lang="en-CA"/>
@@ -386,7 +388,7 @@
     </p:spTree>
     <p:extLst>
       <p:ext uri="{BB962C8B-B14F-4D97-AF65-F5344CB8AC3E}">
-        <p14:creationId xmlns:p14="http://schemas.microsoft.com/office/powerpoint/2010/main" val="4237529172"/>
+        <p14:creationId xmlns:p14="http://schemas.microsoft.com/office/powerpoint/2010/main" xmlns="" val="4237529172"/>
       </p:ext>
     </p:extLst>
   </p:cSld>
@@ -530,14 +532,6 @@
           <a:bodyPr/>
           <a:lstStyle/>
           <a:p>
-            <a:r>
-              <a:rPr lang="en-CA" dirty="0"/>
-              <a:t>Multi-instrument</a:t>
-            </a:r>
-            <a:r>
-              <a:rPr lang="en-CA" baseline="0" dirty="0"/>
-              <a:t> / Multi-instrument Inter-process (minus the)-with Eye Trackers-</a:t>
-            </a:r>
             <a:endParaRPr lang="en-CA" dirty="0"/>
           </a:p>
         </p:txBody>
@@ -559,6 +553,7 @@
           <a:p>
             <a:fld id="{8F20841C-25C9-4C0C-A7FA-C4A363D14F5A}" type="slidenum">
               <a:rPr lang="en-CA" smtClean="0"/>
+              <a:pPr/>
               <a:t>1</a:t>
             </a:fld>
             <a:endParaRPr lang="en-CA"/>
@@ -568,7 +563,7 @@
     </p:spTree>
     <p:extLst>
       <p:ext uri="{BB962C8B-B14F-4D97-AF65-F5344CB8AC3E}">
-        <p14:creationId xmlns:p14="http://schemas.microsoft.com/office/powerpoint/2010/main" val="2340334442"/>
+        <p14:creationId xmlns:p14="http://schemas.microsoft.com/office/powerpoint/2010/main" xmlns="" val="2340334442"/>
       </p:ext>
     </p:extLst>
   </p:cSld>
@@ -762,6 +757,7 @@
           <a:p>
             <a:fld id="{5174927E-2439-42C0-9720-7BBCA09BF46F}" type="slidenum">
               <a:rPr lang="en-CA" smtClean="0"/>
+              <a:pPr/>
               <a:t>‹#›</a:t>
             </a:fld>
             <a:endParaRPr lang="en-CA"/>
@@ -771,7 +767,7 @@
     </p:spTree>
     <p:extLst>
       <p:ext uri="{BB962C8B-B14F-4D97-AF65-F5344CB8AC3E}">
-        <p14:creationId xmlns:p14="http://schemas.microsoft.com/office/powerpoint/2010/main" val="1900560834"/>
+        <p14:creationId xmlns:p14="http://schemas.microsoft.com/office/powerpoint/2010/main" xmlns="" val="1900560834"/>
       </p:ext>
     </p:extLst>
   </p:cSld>
@@ -935,6 +931,7 @@
           <a:p>
             <a:fld id="{5174927E-2439-42C0-9720-7BBCA09BF46F}" type="slidenum">
               <a:rPr lang="en-CA" smtClean="0"/>
+              <a:pPr/>
               <a:t>‹#›</a:t>
             </a:fld>
             <a:endParaRPr lang="en-CA"/>
@@ -944,7 +941,7 @@
     </p:spTree>
     <p:extLst>
       <p:ext uri="{BB962C8B-B14F-4D97-AF65-F5344CB8AC3E}">
-        <p14:creationId xmlns:p14="http://schemas.microsoft.com/office/powerpoint/2010/main" val="3722958745"/>
+        <p14:creationId xmlns:p14="http://schemas.microsoft.com/office/powerpoint/2010/main" xmlns="" val="3722958745"/>
       </p:ext>
     </p:extLst>
   </p:cSld>
@@ -1180,7 +1177,7 @@
     </p:spTree>
     <p:extLst>
       <p:ext uri="{BB962C8B-B14F-4D97-AF65-F5344CB8AC3E}">
-        <p14:creationId xmlns:p14="http://schemas.microsoft.com/office/powerpoint/2010/main" val="1822376042"/>
+        <p14:creationId xmlns:p14="http://schemas.microsoft.com/office/powerpoint/2010/main" xmlns="" val="1822376042"/>
       </p:ext>
     </p:extLst>
   </p:cSld>
@@ -1420,6 +1417,7 @@
           <a:p>
             <a:fld id="{5174927E-2439-42C0-9720-7BBCA09BF46F}" type="slidenum">
               <a:rPr lang="en-CA" smtClean="0"/>
+              <a:pPr/>
               <a:t>‹#›</a:t>
             </a:fld>
             <a:endParaRPr lang="en-CA"/>
@@ -1429,7 +1427,7 @@
     </p:spTree>
     <p:extLst>
       <p:ext uri="{BB962C8B-B14F-4D97-AF65-F5344CB8AC3E}">
-        <p14:creationId xmlns:p14="http://schemas.microsoft.com/office/powerpoint/2010/main" val="3411672561"/>
+        <p14:creationId xmlns:p14="http://schemas.microsoft.com/office/powerpoint/2010/main" xmlns="" val="3411672561"/>
       </p:ext>
     </p:extLst>
   </p:cSld>
@@ -1655,6 +1653,7 @@
           <a:p>
             <a:fld id="{5174927E-2439-42C0-9720-7BBCA09BF46F}" type="slidenum">
               <a:rPr lang="en-CA" smtClean="0"/>
+              <a:pPr/>
               <a:t>‹#›</a:t>
             </a:fld>
             <a:endParaRPr lang="en-CA"/>
@@ -1664,7 +1663,7 @@
     </p:spTree>
     <p:extLst>
       <p:ext uri="{BB962C8B-B14F-4D97-AF65-F5344CB8AC3E}">
-        <p14:creationId xmlns:p14="http://schemas.microsoft.com/office/powerpoint/2010/main" val="1093008526"/>
+        <p14:creationId xmlns:p14="http://schemas.microsoft.com/office/powerpoint/2010/main" xmlns="" val="1093008526"/>
       </p:ext>
     </p:extLst>
   </p:cSld>
@@ -2025,6 +2024,7 @@
           <a:p>
             <a:fld id="{5174927E-2439-42C0-9720-7BBCA09BF46F}" type="slidenum">
               <a:rPr lang="en-CA" smtClean="0"/>
+              <a:pPr/>
               <a:t>‹#›</a:t>
             </a:fld>
             <a:endParaRPr lang="en-CA"/>
@@ -2034,7 +2034,7 @@
     </p:spTree>
     <p:extLst>
       <p:ext uri="{BB962C8B-B14F-4D97-AF65-F5344CB8AC3E}">
-        <p14:creationId xmlns:p14="http://schemas.microsoft.com/office/powerpoint/2010/main" val="1087924878"/>
+        <p14:creationId xmlns:p14="http://schemas.microsoft.com/office/powerpoint/2010/main" xmlns="" val="1087924878"/>
       </p:ext>
     </p:extLst>
   </p:cSld>
@@ -2146,6 +2146,7 @@
           <a:p>
             <a:fld id="{5174927E-2439-42C0-9720-7BBCA09BF46F}" type="slidenum">
               <a:rPr lang="en-CA" smtClean="0"/>
+              <a:pPr/>
               <a:t>‹#›</a:t>
             </a:fld>
             <a:endParaRPr lang="en-CA"/>
@@ -2155,7 +2156,7 @@
     </p:spTree>
     <p:extLst>
       <p:ext uri="{BB962C8B-B14F-4D97-AF65-F5344CB8AC3E}">
-        <p14:creationId xmlns:p14="http://schemas.microsoft.com/office/powerpoint/2010/main" val="3802387408"/>
+        <p14:creationId xmlns:p14="http://schemas.microsoft.com/office/powerpoint/2010/main" xmlns="" val="3802387408"/>
       </p:ext>
     </p:extLst>
   </p:cSld>
@@ -2244,6 +2245,7 @@
           <a:p>
             <a:fld id="{5174927E-2439-42C0-9720-7BBCA09BF46F}" type="slidenum">
               <a:rPr lang="en-CA" smtClean="0"/>
+              <a:pPr/>
               <a:t>‹#›</a:t>
             </a:fld>
             <a:endParaRPr lang="en-CA"/>
@@ -2253,7 +2255,7 @@
     </p:spTree>
     <p:extLst>
       <p:ext uri="{BB962C8B-B14F-4D97-AF65-F5344CB8AC3E}">
-        <p14:creationId xmlns:p14="http://schemas.microsoft.com/office/powerpoint/2010/main" val="4234091411"/>
+        <p14:creationId xmlns:p14="http://schemas.microsoft.com/office/powerpoint/2010/main" xmlns="" val="4234091411"/>
       </p:ext>
     </p:extLst>
   </p:cSld>
@@ -2524,6 +2526,7 @@
           <a:p>
             <a:fld id="{5174927E-2439-42C0-9720-7BBCA09BF46F}" type="slidenum">
               <a:rPr lang="en-CA" smtClean="0"/>
+              <a:pPr/>
               <a:t>‹#›</a:t>
             </a:fld>
             <a:endParaRPr lang="en-CA"/>
@@ -2533,7 +2536,7 @@
     </p:spTree>
     <p:extLst>
       <p:ext uri="{BB962C8B-B14F-4D97-AF65-F5344CB8AC3E}">
-        <p14:creationId xmlns:p14="http://schemas.microsoft.com/office/powerpoint/2010/main" val="4189422420"/>
+        <p14:creationId xmlns:p14="http://schemas.microsoft.com/office/powerpoint/2010/main" xmlns="" val="4189422420"/>
       </p:ext>
     </p:extLst>
   </p:cSld>
@@ -2780,6 +2783,7 @@
           <a:p>
             <a:fld id="{5174927E-2439-42C0-9720-7BBCA09BF46F}" type="slidenum">
               <a:rPr lang="en-CA" smtClean="0"/>
+              <a:pPr/>
               <a:t>‹#›</a:t>
             </a:fld>
             <a:endParaRPr lang="en-CA"/>
@@ -2789,7 +2793,7 @@
     </p:spTree>
     <p:extLst>
       <p:ext uri="{BB962C8B-B14F-4D97-AF65-F5344CB8AC3E}">
-        <p14:creationId xmlns:p14="http://schemas.microsoft.com/office/powerpoint/2010/main" val="3252977898"/>
+        <p14:creationId xmlns:p14="http://schemas.microsoft.com/office/powerpoint/2010/main" xmlns="" val="3252977898"/>
       </p:ext>
     </p:extLst>
   </p:cSld>
@@ -3055,10 +3059,10 @@
           <p:nvPr userDrawn="1"/>
         </p:nvPicPr>
         <p:blipFill>
-          <a:blip r:embed="rId13">
+          <a:blip r:embed="rId13" cstate="print">
             <a:extLst>
               <a:ext uri="{28A0092B-C50C-407E-A947-70E740481C1C}">
-                <a14:useLocalDpi xmlns:a14="http://schemas.microsoft.com/office/drawing/2010/main" val="0"/>
+                <a14:useLocalDpi xmlns:a14="http://schemas.microsoft.com/office/drawing/2010/main" xmlns="" val="0"/>
               </a:ext>
             </a:extLst>
           </a:blip>
@@ -3079,7 +3083,7 @@
     </p:spTree>
     <p:extLst>
       <p:ext uri="{BB962C8B-B14F-4D97-AF65-F5344CB8AC3E}">
-        <p14:creationId xmlns:p14="http://schemas.microsoft.com/office/powerpoint/2010/main" val="4230061028"/>
+        <p14:creationId xmlns:p14="http://schemas.microsoft.com/office/powerpoint/2010/main" xmlns="" val="4230061028"/>
       </p:ext>
     </p:extLst>
   </p:cSld>
@@ -3523,8 +3527,13 @@
           <a:p>
             <a:r>
               <a:rPr lang="en-CA" dirty="0"/>
-              <a:t>Date: January 31, 2022</a:t>
-            </a:r>
+              <a:t>Date: </a:t>
+            </a:r>
+            <a:r>
+              <a:rPr lang="en-CA" dirty="0" smtClean="0"/>
+              <a:t>February 19, 2024</a:t>
+            </a:r>
+            <a:endParaRPr lang="en-CA" dirty="0"/>
           </a:p>
           <a:p>
             <a:endParaRPr lang="en-CA" dirty="0"/>
@@ -3536,7 +3545,7 @@
           <p:cNvPr id="13" name="Picture 8" descr="http://osiris.ubishops.ca/~alussier/images/transparentlogo_bu.png">
             <a:extLst>
               <a:ext uri="{FF2B5EF4-FFF2-40B4-BE49-F238E27FC236}">
-                <a16:creationId xmlns:a16="http://schemas.microsoft.com/office/drawing/2014/main" id="{CCB9A035-2F1C-4B96-A5DB-70B72D6E4AD8}"/>
+                <a16:creationId xmlns:a16="http://schemas.microsoft.com/office/drawing/2014/main" xmlns="" id="{CCB9A035-2F1C-4B96-A5DB-70B72D6E4AD8}"/>
               </a:ext>
             </a:extLst>
           </p:cNvPr>
@@ -3546,10 +3555,10 @@
           <p:nvPr/>
         </p:nvPicPr>
         <p:blipFill>
-          <a:blip r:embed="rId3">
+          <a:blip r:embed="rId3" cstate="print">
             <a:extLst>
               <a:ext uri="{28A0092B-C50C-407E-A947-70E740481C1C}">
-                <a14:useLocalDpi xmlns:a14="http://schemas.microsoft.com/office/drawing/2010/main" val="0"/>
+                <a14:useLocalDpi xmlns:a14="http://schemas.microsoft.com/office/drawing/2010/main" xmlns="" val="0"/>
               </a:ext>
             </a:extLst>
           </a:blip>
@@ -3569,7 +3578,7 @@
           <a:noFill/>
           <a:extLst>
             <a:ext uri="{909E8E84-426E-40DD-AFC4-6F175D3DCCD1}">
-              <a14:hiddenFill xmlns:a14="http://schemas.microsoft.com/office/drawing/2010/main">
+              <a14:hiddenFill xmlns:a14="http://schemas.microsoft.com/office/drawing/2010/main" xmlns="">
                 <a:solidFill>
                   <a:srgbClr val="FFFFFF"/>
                 </a:solidFill>
@@ -3581,7 +3590,7 @@
     </p:spTree>
     <p:extLst>
       <p:ext uri="{BB962C8B-B14F-4D97-AF65-F5344CB8AC3E}">
-        <p14:creationId xmlns:p14="http://schemas.microsoft.com/office/powerpoint/2010/main" val="4177077622"/>
+        <p14:creationId xmlns:p14="http://schemas.microsoft.com/office/powerpoint/2010/main" xmlns="" val="4177077622"/>
       </p:ext>
     </p:extLst>
   </p:cSld>
@@ -3613,7 +3622,7 @@
           <p:cNvPr id="2" name="Title 1">
             <a:extLst>
               <a:ext uri="{FF2B5EF4-FFF2-40B4-BE49-F238E27FC236}">
-                <a16:creationId xmlns:a16="http://schemas.microsoft.com/office/drawing/2014/main" id="{1A5DB5C6-7963-47EA-A127-08293F5A3BE7}"/>
+                <a16:creationId xmlns:a16="http://schemas.microsoft.com/office/drawing/2014/main" xmlns="" id="{1A5DB5C6-7963-47EA-A127-08293F5A3BE7}"/>
               </a:ext>
             </a:extLst>
           </p:cNvPr>
@@ -3642,7 +3651,7 @@
             <a:hlinkClick r:id="" action="ppaction://media"/>
             <a:extLst>
               <a:ext uri="{FF2B5EF4-FFF2-40B4-BE49-F238E27FC236}">
-                <a16:creationId xmlns:a16="http://schemas.microsoft.com/office/drawing/2014/main" id="{3CB159B2-36DF-4F93-91E8-414F628A9970}"/>
+                <a16:creationId xmlns:a16="http://schemas.microsoft.com/office/drawing/2014/main" xmlns="" id="{3CB159B2-36DF-4F93-91E8-414F628A9970}"/>
               </a:ext>
             </a:extLst>
           </p:cNvPr>
@@ -3651,10 +3660,10 @@
           </p:cNvPicPr>
           <p:nvPr>
             <p:ph idx="1"/>
-            <a:videoFile r:link="rId2"/>
+            <a:videoFile r:link="rId1"/>
             <p:extLst>
               <p:ext uri="{DAA4B4D4-6D71-4841-9C94-3DE7FCFB9230}">
-                <p14:media xmlns:p14="http://schemas.microsoft.com/office/powerpoint/2010/main" r:embed="rId1"/>
+                <p14:media xmlns:p14="http://schemas.microsoft.com/office/powerpoint/2010/main" xmlns="" r:embed="rId3"/>
               </p:ext>
             </p:extLst>
           </p:nvPr>
@@ -3674,68 +3683,10 @@
       </p:pic>
       <p:sp>
         <p:nvSpPr>
-          <p:cNvPr id="4" name="Date Placeholder 3">
-            <a:extLst>
-              <a:ext uri="{FF2B5EF4-FFF2-40B4-BE49-F238E27FC236}">
-                <a16:creationId xmlns:a16="http://schemas.microsoft.com/office/drawing/2014/main" id="{AEEAF28F-6778-45F0-947C-EFFAA50963A6}"/>
-              </a:ext>
-            </a:extLst>
-          </p:cNvPr>
-          <p:cNvSpPr>
-            <a:spLocks noGrp="1"/>
-          </p:cNvSpPr>
-          <p:nvPr>
-            <p:ph type="dt" sz="half" idx="2"/>
-          </p:nvPr>
-        </p:nvSpPr>
-        <p:spPr/>
-        <p:txBody>
-          <a:bodyPr/>
-          <a:lstStyle/>
-          <a:p>
-            <a:r>
-              <a:rPr lang="en-US"/>
-              <a:t>Fall 2016</a:t>
-            </a:r>
-            <a:endParaRPr lang="en-CA"/>
-          </a:p>
-        </p:txBody>
-      </p:sp>
-      <p:sp>
-        <p:nvSpPr>
-          <p:cNvPr id="5" name="Footer Placeholder 4">
-            <a:extLst>
-              <a:ext uri="{FF2B5EF4-FFF2-40B4-BE49-F238E27FC236}">
-                <a16:creationId xmlns:a16="http://schemas.microsoft.com/office/drawing/2014/main" id="{F3481128-2900-4DF2-A2BF-F81E4781EA64}"/>
-              </a:ext>
-            </a:extLst>
-          </p:cNvPr>
-          <p:cNvSpPr>
-            <a:spLocks noGrp="1"/>
-          </p:cNvSpPr>
-          <p:nvPr>
-            <p:ph type="ftr" sz="quarter" idx="3"/>
-          </p:nvPr>
-        </p:nvSpPr>
-        <p:spPr/>
-        <p:txBody>
-          <a:bodyPr/>
-          <a:lstStyle/>
-          <a:p>
-            <a:r>
-              <a:rPr lang="en-CA"/>
-              <a:t>CS 499: Honors Dissertation</a:t>
-            </a:r>
-            <a:endParaRPr lang="en-CA" dirty="0"/>
-          </a:p>
-        </p:txBody>
-      </p:sp>
-      <p:sp>
-        <p:nvSpPr>
           <p:cNvPr id="6" name="Slide Number Placeholder 5">
             <a:extLst>
               <a:ext uri="{FF2B5EF4-FFF2-40B4-BE49-F238E27FC236}">
-                <a16:creationId xmlns:a16="http://schemas.microsoft.com/office/drawing/2014/main" id="{73E9D8FF-B7E6-4C6C-8D3C-96B3803F5142}"/>
+                <a16:creationId xmlns:a16="http://schemas.microsoft.com/office/drawing/2014/main" xmlns="" id="{73E9D8FF-B7E6-4C6C-8D3C-96B3803F5142}"/>
               </a:ext>
             </a:extLst>
           </p:cNvPr>
@@ -3764,10 +3715,37 @@
           </a:p>
         </p:txBody>
       </p:sp>
+      <p:sp>
+        <p:nvSpPr>
+          <p:cNvPr id="9" name="Footer Placeholder 9"/>
+          <p:cNvSpPr>
+            <a:spLocks noGrp="1"/>
+          </p:cNvSpPr>
+          <p:nvPr>
+            <p:ph type="ftr" sz="quarter" idx="3"/>
+          </p:nvPr>
+        </p:nvSpPr>
+        <p:spPr>
+          <a:xfrm>
+            <a:off x="52387" y="6573836"/>
+            <a:ext cx="2986087" cy="365125"/>
+          </a:xfrm>
+        </p:spPr>
+        <p:txBody>
+          <a:bodyPr/>
+          <a:lstStyle/>
+          <a:p>
+            <a:r>
+              <a:rPr lang="en-CA" dirty="0"/>
+              <a:t>CS321: Advanced Programming Techniques</a:t>
+            </a:r>
+          </a:p>
+        </p:txBody>
+      </p:sp>
     </p:spTree>
     <p:extLst>
       <p:ext uri="{BB962C8B-B14F-4D97-AF65-F5344CB8AC3E}">
-        <p14:creationId xmlns:p14="http://schemas.microsoft.com/office/powerpoint/2010/main" val="831429754"/>
+        <p14:creationId xmlns:p14="http://schemas.microsoft.com/office/powerpoint/2010/main" xmlns="" val="831429754"/>
       </p:ext>
     </p:extLst>
   </p:cSld>
@@ -3995,28 +3973,6 @@
       </p:sp>
       <p:sp>
         <p:nvSpPr>
-          <p:cNvPr id="6" name="Date Placeholder 5"/>
-          <p:cNvSpPr>
-            <a:spLocks noGrp="1"/>
-          </p:cNvSpPr>
-          <p:nvPr>
-            <p:ph type="dt" sz="half" idx="2"/>
-          </p:nvPr>
-        </p:nvSpPr>
-        <p:spPr/>
-        <p:txBody>
-          <a:bodyPr/>
-          <a:lstStyle/>
-          <a:p>
-            <a:r>
-              <a:rPr lang="en-CA" dirty="0"/>
-              <a:t>Winter 2022</a:t>
-            </a:r>
-          </a:p>
-        </p:txBody>
-      </p:sp>
-      <p:sp>
-        <p:nvSpPr>
           <p:cNvPr id="10" name="Footer Placeholder 9"/>
           <p:cNvSpPr>
             <a:spLocks noGrp="1"/>
@@ -4067,7 +4023,7 @@
     </p:spTree>
     <p:extLst>
       <p:ext uri="{BB962C8B-B14F-4D97-AF65-F5344CB8AC3E}">
-        <p14:creationId xmlns:p14="http://schemas.microsoft.com/office/powerpoint/2010/main" val="51204498"/>
+        <p14:creationId xmlns:p14="http://schemas.microsoft.com/office/powerpoint/2010/main" xmlns="" val="51204498"/>
       </p:ext>
     </p:extLst>
   </p:cSld>
@@ -4278,28 +4234,6 @@
       </p:sp>
       <p:sp>
         <p:nvSpPr>
-          <p:cNvPr id="6" name="Date Placeholder 5"/>
-          <p:cNvSpPr>
-            <a:spLocks noGrp="1"/>
-          </p:cNvSpPr>
-          <p:nvPr>
-            <p:ph type="dt" sz="half" idx="2"/>
-          </p:nvPr>
-        </p:nvSpPr>
-        <p:spPr/>
-        <p:txBody>
-          <a:bodyPr/>
-          <a:lstStyle/>
-          <a:p>
-            <a:r>
-              <a:rPr lang="en-CA" dirty="0"/>
-              <a:t>Winter 2022</a:t>
-            </a:r>
-          </a:p>
-        </p:txBody>
-      </p:sp>
-      <p:sp>
-        <p:nvSpPr>
           <p:cNvPr id="10" name="Footer Placeholder 9"/>
           <p:cNvSpPr>
             <a:spLocks noGrp="1"/>
@@ -4350,7 +4284,7 @@
     </p:spTree>
     <p:extLst>
       <p:ext uri="{BB962C8B-B14F-4D97-AF65-F5344CB8AC3E}">
-        <p14:creationId xmlns:p14="http://schemas.microsoft.com/office/powerpoint/2010/main" val="355146014"/>
+        <p14:creationId xmlns:p14="http://schemas.microsoft.com/office/powerpoint/2010/main" xmlns="" val="355146014"/>
       </p:ext>
     </p:extLst>
   </p:cSld>
@@ -4452,28 +4386,6 @@
       </p:sp>
       <p:sp>
         <p:nvSpPr>
-          <p:cNvPr id="6" name="Date Placeholder 5"/>
-          <p:cNvSpPr>
-            <a:spLocks noGrp="1"/>
-          </p:cNvSpPr>
-          <p:nvPr>
-            <p:ph type="dt" sz="half" idx="2"/>
-          </p:nvPr>
-        </p:nvSpPr>
-        <p:spPr/>
-        <p:txBody>
-          <a:bodyPr/>
-          <a:lstStyle/>
-          <a:p>
-            <a:r>
-              <a:rPr lang="en-CA" dirty="0"/>
-              <a:t>Winter 2022</a:t>
-            </a:r>
-          </a:p>
-        </p:txBody>
-      </p:sp>
-      <p:sp>
-        <p:nvSpPr>
           <p:cNvPr id="10" name="Footer Placeholder 9"/>
           <p:cNvSpPr>
             <a:spLocks noGrp="1"/>
@@ -4524,7 +4436,7 @@
     </p:spTree>
     <p:extLst>
       <p:ext uri="{BB962C8B-B14F-4D97-AF65-F5344CB8AC3E}">
-        <p14:creationId xmlns:p14="http://schemas.microsoft.com/office/powerpoint/2010/main" val="3357882366"/>
+        <p14:creationId xmlns:p14="http://schemas.microsoft.com/office/powerpoint/2010/main" xmlns="" val="3357882366"/>
       </p:ext>
     </p:extLst>
   </p:cSld>
@@ -4647,28 +4559,6 @@
       </p:sp>
       <p:sp>
         <p:nvSpPr>
-          <p:cNvPr id="6" name="Date Placeholder 5"/>
-          <p:cNvSpPr>
-            <a:spLocks noGrp="1"/>
-          </p:cNvSpPr>
-          <p:nvPr>
-            <p:ph type="dt" sz="half" idx="2"/>
-          </p:nvPr>
-        </p:nvSpPr>
-        <p:spPr/>
-        <p:txBody>
-          <a:bodyPr/>
-          <a:lstStyle/>
-          <a:p>
-            <a:r>
-              <a:rPr lang="en-CA" dirty="0"/>
-              <a:t>Winter 2022</a:t>
-            </a:r>
-          </a:p>
-        </p:txBody>
-      </p:sp>
-      <p:sp>
-        <p:nvSpPr>
           <p:cNvPr id="10" name="Footer Placeholder 9"/>
           <p:cNvSpPr>
             <a:spLocks noGrp="1"/>
@@ -4719,7 +4609,7 @@
     </p:spTree>
     <p:extLst>
       <p:ext uri="{BB962C8B-B14F-4D97-AF65-F5344CB8AC3E}">
-        <p14:creationId xmlns:p14="http://schemas.microsoft.com/office/powerpoint/2010/main" val="2425407270"/>
+        <p14:creationId xmlns:p14="http://schemas.microsoft.com/office/powerpoint/2010/main" xmlns="" val="2425407270"/>
       </p:ext>
     </p:extLst>
   </p:cSld>
@@ -4803,28 +4693,6 @@
       </p:sp>
       <p:sp>
         <p:nvSpPr>
-          <p:cNvPr id="6" name="Date Placeholder 5"/>
-          <p:cNvSpPr>
-            <a:spLocks noGrp="1"/>
-          </p:cNvSpPr>
-          <p:nvPr>
-            <p:ph type="dt" sz="half" idx="2"/>
-          </p:nvPr>
-        </p:nvSpPr>
-        <p:spPr/>
-        <p:txBody>
-          <a:bodyPr/>
-          <a:lstStyle/>
-          <a:p>
-            <a:r>
-              <a:rPr lang="en-CA" dirty="0"/>
-              <a:t>Winter 2022</a:t>
-            </a:r>
-          </a:p>
-        </p:txBody>
-      </p:sp>
-      <p:sp>
-        <p:nvSpPr>
           <p:cNvPr id="10" name="Footer Placeholder 9"/>
           <p:cNvSpPr>
             <a:spLocks noGrp="1"/>
@@ -4875,7 +4743,7 @@
     </p:spTree>
     <p:extLst>
       <p:ext uri="{BB962C8B-B14F-4D97-AF65-F5344CB8AC3E}">
-        <p14:creationId xmlns:p14="http://schemas.microsoft.com/office/powerpoint/2010/main" val="1051923313"/>
+        <p14:creationId xmlns:p14="http://schemas.microsoft.com/office/powerpoint/2010/main" xmlns="" val="1051923313"/>
       </p:ext>
     </p:extLst>
   </p:cSld>
@@ -4977,28 +4845,6 @@
       </p:sp>
       <p:sp>
         <p:nvSpPr>
-          <p:cNvPr id="6" name="Date Placeholder 5"/>
-          <p:cNvSpPr>
-            <a:spLocks noGrp="1"/>
-          </p:cNvSpPr>
-          <p:nvPr>
-            <p:ph type="dt" sz="half" idx="2"/>
-          </p:nvPr>
-        </p:nvSpPr>
-        <p:spPr/>
-        <p:txBody>
-          <a:bodyPr/>
-          <a:lstStyle/>
-          <a:p>
-            <a:r>
-              <a:rPr lang="en-CA" dirty="0"/>
-              <a:t>Winter 2022</a:t>
-            </a:r>
-          </a:p>
-        </p:txBody>
-      </p:sp>
-      <p:sp>
-        <p:nvSpPr>
           <p:cNvPr id="10" name="Footer Placeholder 9"/>
           <p:cNvSpPr>
             <a:spLocks noGrp="1"/>
@@ -5049,7 +4895,7 @@
     </p:spTree>
     <p:extLst>
       <p:ext uri="{BB962C8B-B14F-4D97-AF65-F5344CB8AC3E}">
-        <p14:creationId xmlns:p14="http://schemas.microsoft.com/office/powerpoint/2010/main" val="2896980672"/>
+        <p14:creationId xmlns:p14="http://schemas.microsoft.com/office/powerpoint/2010/main" xmlns="" val="2896980672"/>
       </p:ext>
     </p:extLst>
   </p:cSld>
@@ -5183,28 +5029,6 @@
       </p:sp>
       <p:sp>
         <p:nvSpPr>
-          <p:cNvPr id="6" name="Date Placeholder 5"/>
-          <p:cNvSpPr>
-            <a:spLocks noGrp="1"/>
-          </p:cNvSpPr>
-          <p:nvPr>
-            <p:ph type="dt" sz="half" idx="2"/>
-          </p:nvPr>
-        </p:nvSpPr>
-        <p:spPr/>
-        <p:txBody>
-          <a:bodyPr/>
-          <a:lstStyle/>
-          <a:p>
-            <a:r>
-              <a:rPr lang="en-CA" dirty="0"/>
-              <a:t>Winter 2022</a:t>
-            </a:r>
-          </a:p>
-        </p:txBody>
-      </p:sp>
-      <p:sp>
-        <p:nvSpPr>
           <p:cNvPr id="10" name="Footer Placeholder 9"/>
           <p:cNvSpPr>
             <a:spLocks noGrp="1"/>
@@ -5255,7 +5079,7 @@
     </p:spTree>
     <p:extLst>
       <p:ext uri="{BB962C8B-B14F-4D97-AF65-F5344CB8AC3E}">
-        <p14:creationId xmlns:p14="http://schemas.microsoft.com/office/powerpoint/2010/main" val="2679517037"/>
+        <p14:creationId xmlns:p14="http://schemas.microsoft.com/office/powerpoint/2010/main" xmlns="" val="2679517037"/>
       </p:ext>
     </p:extLst>
   </p:cSld>
@@ -5370,28 +5194,6 @@
       </p:sp>
       <p:sp>
         <p:nvSpPr>
-          <p:cNvPr id="6" name="Date Placeholder 5"/>
-          <p:cNvSpPr>
-            <a:spLocks noGrp="1"/>
-          </p:cNvSpPr>
-          <p:nvPr>
-            <p:ph type="dt" sz="half" idx="2"/>
-          </p:nvPr>
-        </p:nvSpPr>
-        <p:spPr/>
-        <p:txBody>
-          <a:bodyPr/>
-          <a:lstStyle/>
-          <a:p>
-            <a:r>
-              <a:rPr lang="en-CA" dirty="0"/>
-              <a:t>Winter 2022</a:t>
-            </a:r>
-          </a:p>
-        </p:txBody>
-      </p:sp>
-      <p:sp>
-        <p:nvSpPr>
           <p:cNvPr id="10" name="Footer Placeholder 9"/>
           <p:cNvSpPr>
             <a:spLocks noGrp="1"/>
@@ -5442,7 +5244,7 @@
     </p:spTree>
     <p:extLst>
       <p:ext uri="{BB962C8B-B14F-4D97-AF65-F5344CB8AC3E}">
-        <p14:creationId xmlns:p14="http://schemas.microsoft.com/office/powerpoint/2010/main" val="2279267423"/>
+        <p14:creationId xmlns:p14="http://schemas.microsoft.com/office/powerpoint/2010/main" xmlns="" val="2279267423"/>
       </p:ext>
     </p:extLst>
   </p:cSld>
@@ -5495,7 +5297,7 @@
     </a:clrScheme>
     <a:fontScheme name="Office">
       <a:majorFont>
-        <a:latin typeface="Calibri Light" panose="020F0302020204030204"/>
+        <a:latin typeface="Calibri Light"/>
         <a:ea typeface=""/>
         <a:cs typeface=""/>
         <a:font script="Jpan" typeface="游ゴシック Light"/>
@@ -5547,7 +5349,7 @@
         <a:font script="Tfng" typeface="Ebrima"/>
       </a:majorFont>
       <a:minorFont>
-        <a:latin typeface="Calibri" panose="020F0502020204030204"/>
+        <a:latin typeface="Calibri"/>
         <a:ea typeface=""/>
         <a:cs typeface=""/>
         <a:font script="Jpan" typeface="游ゴシック"/>
@@ -5741,7 +5543,7 @@
   <a:extraClrSchemeLst/>
   <a:extLst>
     <a:ext uri="{05A4C25C-085E-4340-85A3-A5531E510DB2}">
-      <thm15:themeFamily xmlns:thm15="http://schemas.microsoft.com/office/thememl/2012/main" name="eye_tracker_presentation" id="{00ED1D97-A04B-46A0-BB71-88655A6B057F}" vid="{F36189FA-3966-4852-951E-5734674D1C7B}"/>
+      <thm15:themeFamily xmlns:thm15="http://schemas.microsoft.com/office/thememl/2012/main" xmlns="" name="eye_tracker_presentation" id="{00ED1D97-A04B-46A0-BB71-88655A6B057F}" vid="{F36189FA-3966-4852-951E-5734674D1C7B}"/>
     </a:ext>
   </a:extLst>
 </a:theme>
@@ -5790,7 +5592,7 @@
     </a:clrScheme>
     <a:fontScheme name="Office">
       <a:majorFont>
-        <a:latin typeface="Calibri Light" panose="020F0302020204030204"/>
+        <a:latin typeface="Calibri Light"/>
         <a:ea typeface=""/>
         <a:cs typeface=""/>
         <a:font script="Jpan" typeface="游ゴシック Light"/>
@@ -5842,7 +5644,7 @@
         <a:font script="Tfng" typeface="Ebrima"/>
       </a:majorFont>
       <a:minorFont>
-        <a:latin typeface="Calibri" panose="020F0502020204030204"/>
+        <a:latin typeface="Calibri"/>
         <a:ea typeface=""/>
         <a:cs typeface=""/>
         <a:font script="Jpan" typeface="游ゴシック"/>
@@ -6036,7 +5838,7 @@
   <a:extraClrSchemeLst/>
   <a:extLst>
     <a:ext uri="{05A4C25C-085E-4340-85A3-A5531E510DB2}">
-      <thm15:themeFamily xmlns:thm15="http://schemas.microsoft.com/office/thememl/2012/main" name="Office Theme" id="{62F939B6-93AF-4DB8-9C6B-D6C7DFDC589F}" vid="{4A3C46E8-61CC-4603-A589-7422A47A8E4A}"/>
+      <thm15:themeFamily xmlns:thm15="http://schemas.microsoft.com/office/thememl/2012/main" xmlns="" name="Office Theme" id="{62F939B6-93AF-4DB8-9C6B-D6C7DFDC589F}" vid="{4A3C46E8-61CC-4603-A589-7422A47A8E4A}"/>
     </a:ext>
   </a:extLst>
 </a:theme>

--- a/bishops/cs321/resources/CS321_Lecture_10A.pptx
+++ b/bishops/cs321/resources/CS321_Lecture_10A.pptx
@@ -118,7 +118,7 @@
   </p:defaultTextStyle>
   <p:extLst>
     <p:ext uri="{EFAFB233-063F-42B5-8137-9DF3F51BA10A}">
-      <p15:sldGuideLst xmlns:p15="http://schemas.microsoft.com/office/powerpoint/2012/main" xmlns=""/>
+      <p15:sldGuideLst xmlns="" xmlns:p15="http://schemas.microsoft.com/office/powerpoint/2012/main"/>
     </p:ext>
   </p:extLst>
 </p:presentation>
@@ -129,7 +129,7 @@
   <p:cmAuthor id="1" name="Gregory" initials="G" lastIdx="1" clrIdx="0">
     <p:extLst>
       <p:ext uri="{19B8F6BF-5375-455C-9EA6-DF929625EA0E}">
-        <p15:presenceInfo xmlns:p15="http://schemas.microsoft.com/office/powerpoint/2012/main" xmlns="" userId="Gregory" providerId="None"/>
+        <p15:presenceInfo xmlns="" xmlns:p15="http://schemas.microsoft.com/office/powerpoint/2012/main" userId="Gregory" providerId="None"/>
       </p:ext>
     </p:extLst>
   </p:cmAuthor>
@@ -219,7 +219,7 @@
             <a:fld id="{A6583E9D-07AB-4C6D-BFD0-47E805C6B3D4}" type="datetimeFigureOut">
               <a:rPr lang="en-CA" smtClean="0"/>
               <a:pPr/>
-              <a:t>2024-02-18</a:t>
+              <a:t>2025-01-05</a:t>
             </a:fld>
             <a:endParaRPr lang="en-CA"/>
           </a:p>
@@ -388,7 +388,7 @@
     </p:spTree>
     <p:extLst>
       <p:ext uri="{BB962C8B-B14F-4D97-AF65-F5344CB8AC3E}">
-        <p14:creationId xmlns:p14="http://schemas.microsoft.com/office/powerpoint/2010/main" xmlns="" val="4237529172"/>
+        <p14:creationId xmlns="" xmlns:p14="http://schemas.microsoft.com/office/powerpoint/2010/main" val="4237529172"/>
       </p:ext>
     </p:extLst>
   </p:cSld>
@@ -563,7 +563,7 @@
     </p:spTree>
     <p:extLst>
       <p:ext uri="{BB962C8B-B14F-4D97-AF65-F5344CB8AC3E}">
-        <p14:creationId xmlns:p14="http://schemas.microsoft.com/office/powerpoint/2010/main" xmlns="" val="2340334442"/>
+        <p14:creationId xmlns="" xmlns:p14="http://schemas.microsoft.com/office/powerpoint/2010/main" val="2340334442"/>
       </p:ext>
     </p:extLst>
   </p:cSld>
@@ -767,7 +767,7 @@
     </p:spTree>
     <p:extLst>
       <p:ext uri="{BB962C8B-B14F-4D97-AF65-F5344CB8AC3E}">
-        <p14:creationId xmlns:p14="http://schemas.microsoft.com/office/powerpoint/2010/main" xmlns="" val="1900560834"/>
+        <p14:creationId xmlns="" xmlns:p14="http://schemas.microsoft.com/office/powerpoint/2010/main" val="1900560834"/>
       </p:ext>
     </p:extLst>
   </p:cSld>
@@ -941,7 +941,7 @@
     </p:spTree>
     <p:extLst>
       <p:ext uri="{BB962C8B-B14F-4D97-AF65-F5344CB8AC3E}">
-        <p14:creationId xmlns:p14="http://schemas.microsoft.com/office/powerpoint/2010/main" xmlns="" val="3722958745"/>
+        <p14:creationId xmlns="" xmlns:p14="http://schemas.microsoft.com/office/powerpoint/2010/main" val="3722958745"/>
       </p:ext>
     </p:extLst>
   </p:cSld>
@@ -1177,7 +1177,7 @@
     </p:spTree>
     <p:extLst>
       <p:ext uri="{BB962C8B-B14F-4D97-AF65-F5344CB8AC3E}">
-        <p14:creationId xmlns:p14="http://schemas.microsoft.com/office/powerpoint/2010/main" xmlns="" val="1822376042"/>
+        <p14:creationId xmlns="" xmlns:p14="http://schemas.microsoft.com/office/powerpoint/2010/main" val="1822376042"/>
       </p:ext>
     </p:extLst>
   </p:cSld>
@@ -1427,7 +1427,7 @@
     </p:spTree>
     <p:extLst>
       <p:ext uri="{BB962C8B-B14F-4D97-AF65-F5344CB8AC3E}">
-        <p14:creationId xmlns:p14="http://schemas.microsoft.com/office/powerpoint/2010/main" xmlns="" val="3411672561"/>
+        <p14:creationId xmlns="" xmlns:p14="http://schemas.microsoft.com/office/powerpoint/2010/main" val="3411672561"/>
       </p:ext>
     </p:extLst>
   </p:cSld>
@@ -1663,7 +1663,7 @@
     </p:spTree>
     <p:extLst>
       <p:ext uri="{BB962C8B-B14F-4D97-AF65-F5344CB8AC3E}">
-        <p14:creationId xmlns:p14="http://schemas.microsoft.com/office/powerpoint/2010/main" xmlns="" val="1093008526"/>
+        <p14:creationId xmlns="" xmlns:p14="http://schemas.microsoft.com/office/powerpoint/2010/main" val="1093008526"/>
       </p:ext>
     </p:extLst>
   </p:cSld>
@@ -2034,7 +2034,7 @@
     </p:spTree>
     <p:extLst>
       <p:ext uri="{BB962C8B-B14F-4D97-AF65-F5344CB8AC3E}">
-        <p14:creationId xmlns:p14="http://schemas.microsoft.com/office/powerpoint/2010/main" xmlns="" val="1087924878"/>
+        <p14:creationId xmlns="" xmlns:p14="http://schemas.microsoft.com/office/powerpoint/2010/main" val="1087924878"/>
       </p:ext>
     </p:extLst>
   </p:cSld>
@@ -2156,7 +2156,7 @@
     </p:spTree>
     <p:extLst>
       <p:ext uri="{BB962C8B-B14F-4D97-AF65-F5344CB8AC3E}">
-        <p14:creationId xmlns:p14="http://schemas.microsoft.com/office/powerpoint/2010/main" xmlns="" val="3802387408"/>
+        <p14:creationId xmlns="" xmlns:p14="http://schemas.microsoft.com/office/powerpoint/2010/main" val="3802387408"/>
       </p:ext>
     </p:extLst>
   </p:cSld>
@@ -2255,7 +2255,7 @@
     </p:spTree>
     <p:extLst>
       <p:ext uri="{BB962C8B-B14F-4D97-AF65-F5344CB8AC3E}">
-        <p14:creationId xmlns:p14="http://schemas.microsoft.com/office/powerpoint/2010/main" xmlns="" val="4234091411"/>
+        <p14:creationId xmlns="" xmlns:p14="http://schemas.microsoft.com/office/powerpoint/2010/main" val="4234091411"/>
       </p:ext>
     </p:extLst>
   </p:cSld>
@@ -2536,7 +2536,7 @@
     </p:spTree>
     <p:extLst>
       <p:ext uri="{BB962C8B-B14F-4D97-AF65-F5344CB8AC3E}">
-        <p14:creationId xmlns:p14="http://schemas.microsoft.com/office/powerpoint/2010/main" xmlns="" val="4189422420"/>
+        <p14:creationId xmlns="" xmlns:p14="http://schemas.microsoft.com/office/powerpoint/2010/main" val="4189422420"/>
       </p:ext>
     </p:extLst>
   </p:cSld>
@@ -2793,7 +2793,7 @@
     </p:spTree>
     <p:extLst>
       <p:ext uri="{BB962C8B-B14F-4D97-AF65-F5344CB8AC3E}">
-        <p14:creationId xmlns:p14="http://schemas.microsoft.com/office/powerpoint/2010/main" xmlns="" val="3252977898"/>
+        <p14:creationId xmlns="" xmlns:p14="http://schemas.microsoft.com/office/powerpoint/2010/main" val="3252977898"/>
       </p:ext>
     </p:extLst>
   </p:cSld>
@@ -3062,7 +3062,7 @@
           <a:blip r:embed="rId13" cstate="print">
             <a:extLst>
               <a:ext uri="{28A0092B-C50C-407E-A947-70E740481C1C}">
-                <a14:useLocalDpi xmlns:a14="http://schemas.microsoft.com/office/drawing/2010/main" xmlns="" val="0"/>
+                <a14:useLocalDpi xmlns="" xmlns:a14="http://schemas.microsoft.com/office/drawing/2010/main" val="0"/>
               </a:ext>
             </a:extLst>
           </a:blip>
@@ -3083,7 +3083,7 @@
     </p:spTree>
     <p:extLst>
       <p:ext uri="{BB962C8B-B14F-4D97-AF65-F5344CB8AC3E}">
-        <p14:creationId xmlns:p14="http://schemas.microsoft.com/office/powerpoint/2010/main" xmlns="" val="4230061028"/>
+        <p14:creationId xmlns="" xmlns:p14="http://schemas.microsoft.com/office/powerpoint/2010/main" val="4230061028"/>
       </p:ext>
     </p:extLst>
   </p:cSld>
@@ -3525,17 +3525,6 @@
             <a:endParaRPr lang="en-CA" baseline="30000" dirty="0"/>
           </a:p>
           <a:p>
-            <a:r>
-              <a:rPr lang="en-CA" dirty="0"/>
-              <a:t>Date: </a:t>
-            </a:r>
-            <a:r>
-              <a:rPr lang="en-CA" dirty="0" smtClean="0"/>
-              <a:t>February 19, 2024</a:t>
-            </a:r>
-            <a:endParaRPr lang="en-CA" dirty="0"/>
-          </a:p>
-          <a:p>
             <a:endParaRPr lang="en-CA" dirty="0"/>
           </a:p>
         </p:txBody>
@@ -3545,7 +3534,7 @@
           <p:cNvPr id="13" name="Picture 8" descr="http://osiris.ubishops.ca/~alussier/images/transparentlogo_bu.png">
             <a:extLst>
               <a:ext uri="{FF2B5EF4-FFF2-40B4-BE49-F238E27FC236}">
-                <a16:creationId xmlns:a16="http://schemas.microsoft.com/office/drawing/2014/main" xmlns="" id="{CCB9A035-2F1C-4B96-A5DB-70B72D6E4AD8}"/>
+                <a16:creationId xmlns="" xmlns:a16="http://schemas.microsoft.com/office/drawing/2014/main" id="{CCB9A035-2F1C-4B96-A5DB-70B72D6E4AD8}"/>
               </a:ext>
             </a:extLst>
           </p:cNvPr>
@@ -3558,7 +3547,7 @@
           <a:blip r:embed="rId3" cstate="print">
             <a:extLst>
               <a:ext uri="{28A0092B-C50C-407E-A947-70E740481C1C}">
-                <a14:useLocalDpi xmlns:a14="http://schemas.microsoft.com/office/drawing/2010/main" xmlns="" val="0"/>
+                <a14:useLocalDpi xmlns="" xmlns:a14="http://schemas.microsoft.com/office/drawing/2010/main" val="0"/>
               </a:ext>
             </a:extLst>
           </a:blip>
@@ -3578,7 +3567,7 @@
           <a:noFill/>
           <a:extLst>
             <a:ext uri="{909E8E84-426E-40DD-AFC4-6F175D3DCCD1}">
-              <a14:hiddenFill xmlns:a14="http://schemas.microsoft.com/office/drawing/2010/main" xmlns="">
+              <a14:hiddenFill xmlns="" xmlns:a14="http://schemas.microsoft.com/office/drawing/2010/main">
                 <a:solidFill>
                   <a:srgbClr val="FFFFFF"/>
                 </a:solidFill>
@@ -3590,7 +3579,7 @@
     </p:spTree>
     <p:extLst>
       <p:ext uri="{BB962C8B-B14F-4D97-AF65-F5344CB8AC3E}">
-        <p14:creationId xmlns:p14="http://schemas.microsoft.com/office/powerpoint/2010/main" xmlns="" val="4177077622"/>
+        <p14:creationId xmlns="" xmlns:p14="http://schemas.microsoft.com/office/powerpoint/2010/main" val="4177077622"/>
       </p:ext>
     </p:extLst>
   </p:cSld>
@@ -3622,7 +3611,7 @@
           <p:cNvPr id="2" name="Title 1">
             <a:extLst>
               <a:ext uri="{FF2B5EF4-FFF2-40B4-BE49-F238E27FC236}">
-                <a16:creationId xmlns:a16="http://schemas.microsoft.com/office/drawing/2014/main" xmlns="" id="{1A5DB5C6-7963-47EA-A127-08293F5A3BE7}"/>
+                <a16:creationId xmlns="" xmlns:a16="http://schemas.microsoft.com/office/drawing/2014/main" id="{1A5DB5C6-7963-47EA-A127-08293F5A3BE7}"/>
               </a:ext>
             </a:extLst>
           </p:cNvPr>
@@ -3651,7 +3640,7 @@
             <a:hlinkClick r:id="" action="ppaction://media"/>
             <a:extLst>
               <a:ext uri="{FF2B5EF4-FFF2-40B4-BE49-F238E27FC236}">
-                <a16:creationId xmlns:a16="http://schemas.microsoft.com/office/drawing/2014/main" xmlns="" id="{3CB159B2-36DF-4F93-91E8-414F628A9970}"/>
+                <a16:creationId xmlns="" xmlns:a16="http://schemas.microsoft.com/office/drawing/2014/main" id="{3CB159B2-36DF-4F93-91E8-414F628A9970}"/>
               </a:ext>
             </a:extLst>
           </p:cNvPr>
@@ -3663,7 +3652,7 @@
             <a:videoFile r:link="rId1"/>
             <p:extLst>
               <p:ext uri="{DAA4B4D4-6D71-4841-9C94-3DE7FCFB9230}">
-                <p14:media xmlns:p14="http://schemas.microsoft.com/office/powerpoint/2010/main" xmlns="" r:embed="rId3"/>
+                <p14:media xmlns="" xmlns:p14="http://schemas.microsoft.com/office/powerpoint/2010/main" r:embed="rId3"/>
               </p:ext>
             </p:extLst>
           </p:nvPr>
@@ -3686,7 +3675,7 @@
           <p:cNvPr id="6" name="Slide Number Placeholder 5">
             <a:extLst>
               <a:ext uri="{FF2B5EF4-FFF2-40B4-BE49-F238E27FC236}">
-                <a16:creationId xmlns:a16="http://schemas.microsoft.com/office/drawing/2014/main" xmlns="" id="{73E9D8FF-B7E6-4C6C-8D3C-96B3803F5142}"/>
+                <a16:creationId xmlns="" xmlns:a16="http://schemas.microsoft.com/office/drawing/2014/main" id="{73E9D8FF-B7E6-4C6C-8D3C-96B3803F5142}"/>
               </a:ext>
             </a:extLst>
           </p:cNvPr>
@@ -3707,10 +3696,6 @@
               <a:pPr/>
               <a:t>10</a:t>
             </a:fld>
-            <a:r>
-              <a:rPr lang="en-CA"/>
-              <a:t> / 32</a:t>
-            </a:r>
             <a:endParaRPr lang="en-CA" dirty="0"/>
           </a:p>
         </p:txBody>
@@ -3745,7 +3730,7 @@
     </p:spTree>
     <p:extLst>
       <p:ext uri="{BB962C8B-B14F-4D97-AF65-F5344CB8AC3E}">
-        <p14:creationId xmlns:p14="http://schemas.microsoft.com/office/powerpoint/2010/main" xmlns="" val="831429754"/>
+        <p14:creationId xmlns="" xmlns:p14="http://schemas.microsoft.com/office/powerpoint/2010/main" val="831429754"/>
       </p:ext>
     </p:extLst>
   </p:cSld>
@@ -4023,7 +4008,7 @@
     </p:spTree>
     <p:extLst>
       <p:ext uri="{BB962C8B-B14F-4D97-AF65-F5344CB8AC3E}">
-        <p14:creationId xmlns:p14="http://schemas.microsoft.com/office/powerpoint/2010/main" xmlns="" val="51204498"/>
+        <p14:creationId xmlns="" xmlns:p14="http://schemas.microsoft.com/office/powerpoint/2010/main" val="51204498"/>
       </p:ext>
     </p:extLst>
   </p:cSld>
@@ -4284,7 +4269,7 @@
     </p:spTree>
     <p:extLst>
       <p:ext uri="{BB962C8B-B14F-4D97-AF65-F5344CB8AC3E}">
-        <p14:creationId xmlns:p14="http://schemas.microsoft.com/office/powerpoint/2010/main" xmlns="" val="355146014"/>
+        <p14:creationId xmlns="" xmlns:p14="http://schemas.microsoft.com/office/powerpoint/2010/main" val="355146014"/>
       </p:ext>
     </p:extLst>
   </p:cSld>
@@ -4436,7 +4421,7 @@
     </p:spTree>
     <p:extLst>
       <p:ext uri="{BB962C8B-B14F-4D97-AF65-F5344CB8AC3E}">
-        <p14:creationId xmlns:p14="http://schemas.microsoft.com/office/powerpoint/2010/main" xmlns="" val="3357882366"/>
+        <p14:creationId xmlns="" xmlns:p14="http://schemas.microsoft.com/office/powerpoint/2010/main" val="3357882366"/>
       </p:ext>
     </p:extLst>
   </p:cSld>
@@ -4609,7 +4594,7 @@
     </p:spTree>
     <p:extLst>
       <p:ext uri="{BB962C8B-B14F-4D97-AF65-F5344CB8AC3E}">
-        <p14:creationId xmlns:p14="http://schemas.microsoft.com/office/powerpoint/2010/main" xmlns="" val="2425407270"/>
+        <p14:creationId xmlns="" xmlns:p14="http://schemas.microsoft.com/office/powerpoint/2010/main" val="2425407270"/>
       </p:ext>
     </p:extLst>
   </p:cSld>
@@ -4743,7 +4728,7 @@
     </p:spTree>
     <p:extLst>
       <p:ext uri="{BB962C8B-B14F-4D97-AF65-F5344CB8AC3E}">
-        <p14:creationId xmlns:p14="http://schemas.microsoft.com/office/powerpoint/2010/main" xmlns="" val="1051923313"/>
+        <p14:creationId xmlns="" xmlns:p14="http://schemas.microsoft.com/office/powerpoint/2010/main" val="1051923313"/>
       </p:ext>
     </p:extLst>
   </p:cSld>
@@ -4895,7 +4880,7 @@
     </p:spTree>
     <p:extLst>
       <p:ext uri="{BB962C8B-B14F-4D97-AF65-F5344CB8AC3E}">
-        <p14:creationId xmlns:p14="http://schemas.microsoft.com/office/powerpoint/2010/main" xmlns="" val="2896980672"/>
+        <p14:creationId xmlns="" xmlns:p14="http://schemas.microsoft.com/office/powerpoint/2010/main" val="2896980672"/>
       </p:ext>
     </p:extLst>
   </p:cSld>
@@ -5079,7 +5064,7 @@
     </p:spTree>
     <p:extLst>
       <p:ext uri="{BB962C8B-B14F-4D97-AF65-F5344CB8AC3E}">
-        <p14:creationId xmlns:p14="http://schemas.microsoft.com/office/powerpoint/2010/main" xmlns="" val="2679517037"/>
+        <p14:creationId xmlns="" xmlns:p14="http://schemas.microsoft.com/office/powerpoint/2010/main" val="2679517037"/>
       </p:ext>
     </p:extLst>
   </p:cSld>
@@ -5244,7 +5229,7 @@
     </p:spTree>
     <p:extLst>
       <p:ext uri="{BB962C8B-B14F-4D97-AF65-F5344CB8AC3E}">
-        <p14:creationId xmlns:p14="http://schemas.microsoft.com/office/powerpoint/2010/main" xmlns="" val="2279267423"/>
+        <p14:creationId xmlns="" xmlns:p14="http://schemas.microsoft.com/office/powerpoint/2010/main" val="2279267423"/>
       </p:ext>
     </p:extLst>
   </p:cSld>
@@ -5543,7 +5528,7 @@
   <a:extraClrSchemeLst/>
   <a:extLst>
     <a:ext uri="{05A4C25C-085E-4340-85A3-A5531E510DB2}">
-      <thm15:themeFamily xmlns:thm15="http://schemas.microsoft.com/office/thememl/2012/main" xmlns="" name="eye_tracker_presentation" id="{00ED1D97-A04B-46A0-BB71-88655A6B057F}" vid="{F36189FA-3966-4852-951E-5734674D1C7B}"/>
+      <thm15:themeFamily xmlns="" xmlns:thm15="http://schemas.microsoft.com/office/thememl/2012/main" name="eye_tracker_presentation" id="{00ED1D97-A04B-46A0-BB71-88655A6B057F}" vid="{F36189FA-3966-4852-951E-5734674D1C7B}"/>
     </a:ext>
   </a:extLst>
 </a:theme>
@@ -5838,7 +5823,7 @@
   <a:extraClrSchemeLst/>
   <a:extLst>
     <a:ext uri="{05A4C25C-085E-4340-85A3-A5531E510DB2}">
-      <thm15:themeFamily xmlns:thm15="http://schemas.microsoft.com/office/thememl/2012/main" xmlns="" name="Office Theme" id="{62F939B6-93AF-4DB8-9C6B-D6C7DFDC589F}" vid="{4A3C46E8-61CC-4603-A589-7422A47A8E4A}"/>
+      <thm15:themeFamily xmlns="" xmlns:thm15="http://schemas.microsoft.com/office/thememl/2012/main" name="Office Theme" id="{62F939B6-93AF-4DB8-9C6B-D6C7DFDC589F}" vid="{4A3C46E8-61CC-4603-A589-7422A47A8E4A}"/>
     </a:ext>
   </a:extLst>
 </a:theme>
